--- a/Github-tuto.pptx
+++ b/Github-tuto.pptx
@@ -30,7 +30,15 @@
     <p:sldId id="275" r:id="rId24"/>
     <p:sldId id="276" r:id="rId25"/>
     <p:sldId id="281" r:id="rId26"/>
-    <p:sldId id="257" r:id="rId27"/>
+    <p:sldId id="282" r:id="rId27"/>
+    <p:sldId id="283" r:id="rId28"/>
+    <p:sldId id="284" r:id="rId29"/>
+    <p:sldId id="285" r:id="rId30"/>
+    <p:sldId id="286" r:id="rId31"/>
+    <p:sldId id="287" r:id="rId32"/>
+    <p:sldId id="289" r:id="rId33"/>
+    <p:sldId id="288" r:id="rId34"/>
+    <p:sldId id="257" r:id="rId35"/>
   </p:sldIdLst>
   <p:sldSz cx="12192000" cy="6858000"/>
   <p:notesSz cx="6858000" cy="9144000"/>
@@ -5258,25 +5266,32 @@
           </a:p>
         </p:txBody>
       </p:sp>
-      <p:sp>
-        <p:nvSpPr>
-          <p:cNvPr id="6" name="Espace réservé du contenu 5"/>
-          <p:cNvSpPr>
-            <a:spLocks noGrp="1"/>
-          </p:cNvSpPr>
+      <p:pic>
+        <p:nvPicPr>
+          <p:cNvPr id="5" name="Espace réservé du contenu 4"/>
+          <p:cNvPicPr>
+            <a:picLocks noGrp="1" noChangeAspect="1"/>
+          </p:cNvPicPr>
           <p:nvPr>
             <p:ph idx="1"/>
           </p:nvPr>
-        </p:nvSpPr>
-        <p:spPr/>
-        <p:txBody>
-          <a:bodyPr/>
-          <a:lstStyle/>
-          <a:p>
-            <a:endParaRPr lang="fr-FR"/>
-          </a:p>
-        </p:txBody>
-      </p:sp>
+        </p:nvPicPr>
+        <p:blipFill>
+          <a:blip r:embed="rId2"/>
+          <a:stretch>
+            <a:fillRect/>
+          </a:stretch>
+        </p:blipFill>
+        <p:spPr>
+          <a:xfrm>
+            <a:off x="1591257" y="1758390"/>
+            <a:ext cx="8910874" cy="4351338"/>
+          </a:xfrm>
+          <a:prstGeom prst="rect">
+            <a:avLst/>
+          </a:prstGeom>
+        </p:spPr>
+      </p:pic>
     </p:spTree>
     <p:extLst>
       <p:ext uri="{BB962C8B-B14F-4D97-AF65-F5344CB8AC3E}">
@@ -5320,91 +5335,415 @@
         <p:spPr/>
         <p:txBody>
           <a:bodyPr>
-            <a:normAutofit/>
+            <a:noAutofit/>
           </a:bodyPr>
           <a:lstStyle/>
           <a:p>
             <a:r>
-              <a:rPr lang="en-US" dirty="0"/>
-              <a:t>What is Jenkins and what it is used for </a:t>
-            </a:r>
-            <a:r>
-              <a:rPr lang="en-US" dirty="0" smtClean="0"/>
-              <a:t>?</a:t>
-            </a:r>
-            <a:endParaRPr lang="fr-FR" dirty="0"/>
-          </a:p>
-        </p:txBody>
-      </p:sp>
-      <p:sp>
-        <p:nvSpPr>
-          <p:cNvPr id="3" name="Espace réservé du contenu 2"/>
-          <p:cNvSpPr>
-            <a:spLocks noGrp="1"/>
-          </p:cNvSpPr>
+              <a:rPr lang="en-US" sz="2400" dirty="0" smtClean="0"/>
+              <a:t>we </a:t>
+            </a:r>
+            <a:r>
+              <a:rPr lang="en-US" sz="2400" dirty="0"/>
+              <a:t>have added the file "Github-tuto.pptx" to the staging </a:t>
+            </a:r>
+            <a:r>
+              <a:rPr lang="en-US" sz="2400" dirty="0" smtClean="0"/>
+              <a:t>area. </a:t>
+            </a:r>
+            <a:r>
+              <a:rPr lang="en-US" sz="2400" dirty="0"/>
+              <a:t>This means that </a:t>
+            </a:r>
+            <a:r>
+              <a:rPr lang="en-US" sz="2400" dirty="0" err="1"/>
+              <a:t>Git</a:t>
+            </a:r>
+            <a:r>
+              <a:rPr lang="en-US" sz="2400" dirty="0"/>
+              <a:t> is tracking changes made to this file and it will be included in the next commit</a:t>
+            </a:r>
+            <a:r>
+              <a:rPr lang="en-US" sz="2400" dirty="0" smtClean="0"/>
+              <a:t>.</a:t>
+            </a:r>
+            <a:br>
+              <a:rPr lang="en-US" sz="2400" dirty="0" smtClean="0"/>
+            </a:br>
+            <a:endParaRPr lang="fr-FR" sz="2400" dirty="0"/>
+          </a:p>
+        </p:txBody>
+      </p:sp>
+      <p:pic>
+        <p:nvPicPr>
+          <p:cNvPr id="5" name="Espace réservé du contenu 4"/>
+          <p:cNvPicPr>
+            <a:picLocks noGrp="1" noChangeAspect="1"/>
+          </p:cNvPicPr>
           <p:nvPr>
             <p:ph idx="1"/>
           </p:nvPr>
-        </p:nvSpPr>
+        </p:nvPicPr>
+        <p:blipFill>
+          <a:blip r:embed="rId2"/>
+          <a:stretch>
+            <a:fillRect/>
+          </a:stretch>
+        </p:blipFill>
         <p:spPr>
           <a:xfrm>
-            <a:off x="838199" y="1825624"/>
-            <a:ext cx="10600765" cy="4368987"/>
+            <a:off x="1665106" y="2103531"/>
+            <a:ext cx="8861787" cy="4351338"/>
           </a:xfrm>
+          <a:prstGeom prst="rect">
+            <a:avLst/>
+          </a:prstGeom>
         </p:spPr>
-        <p:txBody>
-          <a:bodyPr/>
-          <a:lstStyle/>
-          <a:p>
-            <a:pPr algn="just"/>
-            <a:r>
-              <a:rPr lang="en-US" dirty="0"/>
-              <a:t>Jenkins is an open source continuous integration/continuous delivery and deployment (CI/CD) automation software DevOps tool written in the Java programming language. It is used </a:t>
-            </a:r>
-            <a:r>
-              <a:rPr lang="en-US" b="1" dirty="0"/>
-              <a:t>to implement CI/CD workflows, called pipelines</a:t>
-            </a:r>
-            <a:r>
-              <a:rPr lang="en-US" dirty="0" smtClean="0"/>
-              <a:t>.</a:t>
-            </a:r>
-          </a:p>
-          <a:p>
-            <a:pPr algn="just"/>
-            <a:r>
-              <a:rPr lang="fr-FR" b="1" dirty="0"/>
-              <a:t>Pipelines </a:t>
-            </a:r>
-            <a:r>
-              <a:rPr lang="fr-FR" b="1" dirty="0" smtClean="0"/>
-              <a:t>:</a:t>
-            </a:r>
-            <a:r>
-              <a:rPr lang="fr-FR" dirty="0" smtClean="0"/>
-              <a:t> </a:t>
-            </a:r>
-          </a:p>
-          <a:p>
-            <a:pPr marL="0" indent="0" algn="just">
-              <a:buNone/>
-            </a:pPr>
-            <a:r>
-              <a:rPr lang="en-US" dirty="0" smtClean="0"/>
-              <a:t>	A </a:t>
-            </a:r>
-            <a:r>
-              <a:rPr lang="en-US" dirty="0"/>
-              <a:t>continuous integration and continuous deployment (CI/CD) pipeline is a series of steps that must be performed in order to deliver a new version of software. CI/CD pipelines are a practice focused on improving software delivery throughout the software development life cycle via automation.</a:t>
-            </a:r>
-            <a:endParaRPr lang="fr-FR" b="1" dirty="0"/>
-          </a:p>
-        </p:txBody>
-      </p:sp>
+      </p:pic>
     </p:spTree>
     <p:extLst>
       <p:ext uri="{BB962C8B-B14F-4D97-AF65-F5344CB8AC3E}">
-        <p14:creationId xmlns:p14="http://schemas.microsoft.com/office/powerpoint/2010/main" val="3363054917"/>
+        <p14:creationId xmlns:p14="http://schemas.microsoft.com/office/powerpoint/2010/main" val="4151408309"/>
+      </p:ext>
+    </p:extLst>
+  </p:cSld>
+  <p:clrMapOvr>
+    <a:masterClrMapping/>
+  </p:clrMapOvr>
+</p:sld>
+</file>
+
+<file path=ppt/slides/slide27.xml><?xml version="1.0" encoding="utf-8"?>
+<p:sld xmlns:a="http://schemas.openxmlformats.org/drawingml/2006/main" xmlns:r="http://schemas.openxmlformats.org/officeDocument/2006/relationships" xmlns:p="http://schemas.openxmlformats.org/presentationml/2006/main">
+  <p:cSld>
+    <p:spTree>
+      <p:nvGrpSpPr>
+        <p:cNvPr id="1" name=""/>
+        <p:cNvGrpSpPr/>
+        <p:nvPr/>
+      </p:nvGrpSpPr>
+      <p:grpSpPr>
+        <a:xfrm>
+          <a:off x="0" y="0"/>
+          <a:ext cx="0" cy="0"/>
+          <a:chOff x="0" y="0"/>
+          <a:chExt cx="0" cy="0"/>
+        </a:xfrm>
+      </p:grpSpPr>
+      <p:sp>
+        <p:nvSpPr>
+          <p:cNvPr id="2" name="Titre 1"/>
+          <p:cNvSpPr>
+            <a:spLocks noGrp="1"/>
+          </p:cNvSpPr>
+          <p:nvPr>
+            <p:ph type="title"/>
+          </p:nvPr>
+        </p:nvSpPr>
+        <p:spPr>
+          <a:xfrm>
+            <a:off x="896472" y="1611220"/>
+            <a:ext cx="10515600" cy="3803463"/>
+          </a:xfrm>
+        </p:spPr>
+        <p:txBody>
+          <a:bodyPr>
+            <a:noAutofit/>
+          </a:bodyPr>
+          <a:lstStyle/>
+          <a:p>
+            <a:r>
+              <a:rPr lang="en-US" sz="2400" dirty="0"/>
+              <a:t>Running </a:t>
+            </a:r>
+            <a:r>
+              <a:rPr lang="en-US" sz="2400" dirty="0" err="1"/>
+              <a:t>git</a:t>
+            </a:r>
+            <a:r>
+              <a:rPr lang="en-US" sz="2400" dirty="0"/>
+              <a:t> status displays the current status of your repository</a:t>
+            </a:r>
+            <a:r>
+              <a:rPr lang="en-US" sz="2400" dirty="0" smtClean="0"/>
+              <a:t>.</a:t>
+            </a:r>
+            <a:r>
+              <a:rPr lang="en-US" sz="2400" dirty="0"/>
+              <a:t/>
+            </a:r>
+            <a:br>
+              <a:rPr lang="en-US" sz="2400" dirty="0"/>
+            </a:br>
+            <a:r>
+              <a:rPr lang="en-US" sz="2400" dirty="0"/>
+              <a:t/>
+            </a:r>
+            <a:br>
+              <a:rPr lang="en-US" sz="2400" dirty="0"/>
+            </a:br>
+            <a:r>
+              <a:rPr lang="en-US" sz="2400" dirty="0"/>
+              <a:t>"On branch master": Indicates that you are currently on the "master" branch.</a:t>
+            </a:r>
+            <a:br>
+              <a:rPr lang="en-US" sz="2400" dirty="0"/>
+            </a:br>
+            <a:r>
+              <a:rPr lang="en-US" sz="2400" dirty="0"/>
+              <a:t>"No commits yet": Indicates that there haven't been any commits made to the repository yet.</a:t>
+            </a:r>
+            <a:br>
+              <a:rPr lang="en-US" sz="2400" dirty="0"/>
+            </a:br>
+            <a:r>
+              <a:rPr lang="en-US" sz="2400" dirty="0"/>
+              <a:t>"Changes to be committed": This section shows the changes that have been added to the staging area and will be included in the next commit. In this case, it lists the "Github-tuto.pptx" file as a new file to be committed.</a:t>
+            </a:r>
+            <a:br>
+              <a:rPr lang="en-US" sz="2400" dirty="0"/>
+            </a:br>
+            <a:r>
+              <a:rPr lang="en-US" sz="2400" dirty="0"/>
+              <a:t>"Untracked files": This section lists files that </a:t>
+            </a:r>
+            <a:r>
+              <a:rPr lang="en-US" sz="2400" dirty="0" err="1"/>
+              <a:t>Git</a:t>
+            </a:r>
+            <a:r>
+              <a:rPr lang="en-US" sz="2400" dirty="0"/>
+              <a:t> is not currently tracking.</a:t>
+            </a:r>
+            <a:endParaRPr lang="fr-FR" sz="2400" dirty="0"/>
+          </a:p>
+        </p:txBody>
+      </p:sp>
+    </p:spTree>
+    <p:extLst>
+      <p:ext uri="{BB962C8B-B14F-4D97-AF65-F5344CB8AC3E}">
+        <p14:creationId xmlns:p14="http://schemas.microsoft.com/office/powerpoint/2010/main" val="2812224442"/>
+      </p:ext>
+    </p:extLst>
+  </p:cSld>
+  <p:clrMapOvr>
+    <a:masterClrMapping/>
+  </p:clrMapOvr>
+</p:sld>
+</file>
+
+<file path=ppt/slides/slide28.xml><?xml version="1.0" encoding="utf-8"?>
+<p:sld xmlns:a="http://schemas.openxmlformats.org/drawingml/2006/main" xmlns:r="http://schemas.openxmlformats.org/officeDocument/2006/relationships" xmlns:p="http://schemas.openxmlformats.org/presentationml/2006/main">
+  <p:cSld>
+    <p:spTree>
+      <p:nvGrpSpPr>
+        <p:cNvPr id="1" name=""/>
+        <p:cNvGrpSpPr/>
+        <p:nvPr/>
+      </p:nvGrpSpPr>
+      <p:grpSpPr>
+        <a:xfrm>
+          <a:off x="0" y="0"/>
+          <a:ext cx="0" cy="0"/>
+          <a:chOff x="0" y="0"/>
+          <a:chExt cx="0" cy="0"/>
+        </a:xfrm>
+      </p:grpSpPr>
+      <p:sp>
+        <p:nvSpPr>
+          <p:cNvPr id="2" name="Titre 1"/>
+          <p:cNvSpPr>
+            <a:spLocks noGrp="1"/>
+          </p:cNvSpPr>
+          <p:nvPr>
+            <p:ph type="title"/>
+          </p:nvPr>
+        </p:nvSpPr>
+        <p:spPr>
+          <a:xfrm>
+            <a:off x="909916" y="822325"/>
+            <a:ext cx="10515600" cy="1325563"/>
+          </a:xfrm>
+        </p:spPr>
+        <p:txBody>
+          <a:bodyPr>
+            <a:normAutofit fontScale="90000"/>
+          </a:bodyPr>
+          <a:lstStyle/>
+          <a:p>
+            <a:pPr>
+              <a:lnSpc>
+                <a:spcPct val="100000"/>
+              </a:lnSpc>
+            </a:pPr>
+            <a:r>
+              <a:rPr lang="en-US" sz="4900" dirty="0" err="1" smtClean="0"/>
+              <a:t>Git</a:t>
+            </a:r>
+            <a:r>
+              <a:rPr lang="en-US" sz="4900" dirty="0" smtClean="0"/>
+              <a:t> commit</a:t>
+            </a:r>
+            <a:r>
+              <a:rPr lang="en-US" dirty="0" smtClean="0"/>
+              <a:t/>
+            </a:r>
+            <a:br>
+              <a:rPr lang="en-US" dirty="0" smtClean="0"/>
+            </a:br>
+            <a:r>
+              <a:rPr lang="en-US" dirty="0" smtClean="0"/>
+              <a:t>	</a:t>
+            </a:r>
+            <a:r>
+              <a:rPr lang="en-US" sz="2000" dirty="0" smtClean="0"/>
+              <a:t>The </a:t>
+            </a:r>
+            <a:r>
+              <a:rPr lang="en-US" sz="2000" dirty="0"/>
+              <a:t>output </a:t>
+            </a:r>
+            <a:r>
+              <a:rPr lang="en-US" sz="2000" dirty="0" smtClean="0"/>
+              <a:t>indicates </a:t>
+            </a:r>
+            <a:r>
+              <a:rPr lang="en-US" sz="2000" dirty="0"/>
+              <a:t>that </a:t>
+            </a:r>
+            <a:r>
+              <a:rPr lang="en-US" sz="2000" dirty="0" smtClean="0"/>
+              <a:t>we </a:t>
+            </a:r>
+            <a:r>
+              <a:rPr lang="en-US" sz="2000" dirty="0"/>
+              <a:t>have successfully made </a:t>
+            </a:r>
+            <a:r>
+              <a:rPr lang="en-US" sz="2000" dirty="0" smtClean="0"/>
+              <a:t>our </a:t>
+            </a:r>
+            <a:r>
+              <a:rPr lang="en-US" sz="2000" dirty="0"/>
+              <a:t>first commit to the "master" branch</a:t>
+            </a:r>
+            <a:endParaRPr lang="fr-FR" dirty="0"/>
+          </a:p>
+        </p:txBody>
+      </p:sp>
+      <p:pic>
+        <p:nvPicPr>
+          <p:cNvPr id="4" name="Espace réservé du contenu 3"/>
+          <p:cNvPicPr>
+            <a:picLocks noGrp="1" noChangeAspect="1"/>
+          </p:cNvPicPr>
+          <p:nvPr>
+            <p:ph idx="1"/>
+          </p:nvPr>
+        </p:nvPicPr>
+        <p:blipFill>
+          <a:blip r:embed="rId2"/>
+          <a:stretch>
+            <a:fillRect/>
+          </a:stretch>
+        </p:blipFill>
+        <p:spPr>
+          <a:xfrm>
+            <a:off x="2331330" y="2336614"/>
+            <a:ext cx="7672773" cy="4351338"/>
+          </a:xfrm>
+          <a:prstGeom prst="rect">
+            <a:avLst/>
+          </a:prstGeom>
+        </p:spPr>
+      </p:pic>
+    </p:spTree>
+    <p:extLst>
+      <p:ext uri="{BB962C8B-B14F-4D97-AF65-F5344CB8AC3E}">
+        <p14:creationId xmlns:p14="http://schemas.microsoft.com/office/powerpoint/2010/main" val="1928123077"/>
+      </p:ext>
+    </p:extLst>
+  </p:cSld>
+  <p:clrMapOvr>
+    <a:masterClrMapping/>
+  </p:clrMapOvr>
+</p:sld>
+</file>
+
+<file path=ppt/slides/slide29.xml><?xml version="1.0" encoding="utf-8"?>
+<p:sld xmlns:a="http://schemas.openxmlformats.org/drawingml/2006/main" xmlns:r="http://schemas.openxmlformats.org/officeDocument/2006/relationships" xmlns:p="http://schemas.openxmlformats.org/presentationml/2006/main">
+  <p:cSld>
+    <p:spTree>
+      <p:nvGrpSpPr>
+        <p:cNvPr id="1" name=""/>
+        <p:cNvGrpSpPr/>
+        <p:nvPr/>
+      </p:nvGrpSpPr>
+      <p:grpSpPr>
+        <a:xfrm>
+          <a:off x="0" y="0"/>
+          <a:ext cx="0" cy="0"/>
+          <a:chOff x="0" y="0"/>
+          <a:chExt cx="0" cy="0"/>
+        </a:xfrm>
+      </p:grpSpPr>
+      <p:sp>
+        <p:nvSpPr>
+          <p:cNvPr id="2" name="Titre 1"/>
+          <p:cNvSpPr>
+            <a:spLocks noGrp="1"/>
+          </p:cNvSpPr>
+          <p:nvPr>
+            <p:ph type="title"/>
+          </p:nvPr>
+        </p:nvSpPr>
+        <p:spPr/>
+        <p:txBody>
+          <a:bodyPr/>
+          <a:lstStyle/>
+          <a:p>
+            <a:r>
+              <a:rPr lang="en-US" dirty="0" err="1" smtClean="0"/>
+              <a:t>Git</a:t>
+            </a:r>
+            <a:r>
+              <a:rPr lang="en-US" dirty="0" smtClean="0"/>
+              <a:t> push</a:t>
+            </a:r>
+            <a:endParaRPr lang="fr-FR" dirty="0"/>
+          </a:p>
+        </p:txBody>
+      </p:sp>
+      <p:pic>
+        <p:nvPicPr>
+          <p:cNvPr id="4" name="Espace réservé du contenu 3"/>
+          <p:cNvPicPr>
+            <a:picLocks noGrp="1" noChangeAspect="1"/>
+          </p:cNvPicPr>
+          <p:nvPr>
+            <p:ph idx="1"/>
+          </p:nvPr>
+        </p:nvPicPr>
+        <p:blipFill>
+          <a:blip r:embed="rId2"/>
+          <a:stretch>
+            <a:fillRect/>
+          </a:stretch>
+        </p:blipFill>
+        <p:spPr>
+          <a:xfrm>
+            <a:off x="2259613" y="1825625"/>
+            <a:ext cx="7672773" cy="4351338"/>
+          </a:xfrm>
+          <a:prstGeom prst="rect">
+            <a:avLst/>
+          </a:prstGeom>
+        </p:spPr>
+      </p:pic>
+    </p:spTree>
+    <p:extLst>
+      <p:ext uri="{BB962C8B-B14F-4D97-AF65-F5344CB8AC3E}">
+        <p14:creationId xmlns:p14="http://schemas.microsoft.com/office/powerpoint/2010/main" val="3962029866"/>
       </p:ext>
     </p:extLst>
   </p:cSld>
@@ -5542,6 +5881,468 @@
     <p:extLst>
       <p:ext uri="{BB962C8B-B14F-4D97-AF65-F5344CB8AC3E}">
         <p14:creationId xmlns:p14="http://schemas.microsoft.com/office/powerpoint/2010/main" val="722859773"/>
+      </p:ext>
+    </p:extLst>
+  </p:cSld>
+  <p:clrMapOvr>
+    <a:masterClrMapping/>
+  </p:clrMapOvr>
+</p:sld>
+</file>
+
+<file path=ppt/slides/slide30.xml><?xml version="1.0" encoding="utf-8"?>
+<p:sld xmlns:a="http://schemas.openxmlformats.org/drawingml/2006/main" xmlns:r="http://schemas.openxmlformats.org/officeDocument/2006/relationships" xmlns:p="http://schemas.openxmlformats.org/presentationml/2006/main">
+  <p:cSld>
+    <p:spTree>
+      <p:nvGrpSpPr>
+        <p:cNvPr id="1" name=""/>
+        <p:cNvGrpSpPr/>
+        <p:nvPr/>
+      </p:nvGrpSpPr>
+      <p:grpSpPr>
+        <a:xfrm>
+          <a:off x="0" y="0"/>
+          <a:ext cx="0" cy="0"/>
+          <a:chOff x="0" y="0"/>
+          <a:chExt cx="0" cy="0"/>
+        </a:xfrm>
+      </p:grpSpPr>
+      <p:sp>
+        <p:nvSpPr>
+          <p:cNvPr id="3" name="Espace réservé du contenu 2"/>
+          <p:cNvSpPr>
+            <a:spLocks noGrp="1"/>
+          </p:cNvSpPr>
+          <p:nvPr>
+            <p:ph idx="1"/>
+          </p:nvPr>
+        </p:nvSpPr>
+        <p:spPr>
+          <a:xfrm>
+            <a:off x="878541" y="1162237"/>
+            <a:ext cx="10515600" cy="4790328"/>
+          </a:xfrm>
+        </p:spPr>
+        <p:txBody>
+          <a:bodyPr>
+            <a:normAutofit lnSpcReduction="10000"/>
+          </a:bodyPr>
+          <a:lstStyle/>
+          <a:p>
+            <a:r>
+              <a:rPr lang="en-US" b="1" dirty="0" err="1"/>
+              <a:t>git</a:t>
+            </a:r>
+            <a:r>
+              <a:rPr lang="en-US" b="1" dirty="0"/>
+              <a:t> branch -M main: </a:t>
+            </a:r>
+            <a:r>
+              <a:rPr lang="en-US" dirty="0"/>
+              <a:t>This command renames the current branch to "main." By using the -M option, you forcefully rename the branch even if a branch with the new name already exists</a:t>
+            </a:r>
+            <a:r>
+              <a:rPr lang="en-US" dirty="0" smtClean="0"/>
+              <a:t>.</a:t>
+            </a:r>
+          </a:p>
+          <a:p>
+            <a:r>
+              <a:rPr lang="en-US" b="1" dirty="0" err="1"/>
+              <a:t>git</a:t>
+            </a:r>
+            <a:r>
+              <a:rPr lang="en-US" b="1" dirty="0"/>
+              <a:t> remote add origin https://github.com/SkinnySyd/tutoGithub.git: </a:t>
+            </a:r>
+            <a:r>
+              <a:rPr lang="en-US" dirty="0"/>
+              <a:t>This command adds a remote repository named "origin" and associates it with the specified URL https://github.com/SkinnySyd/tutoGithub.git. This allows you to push your local commits to the remote repository</a:t>
+            </a:r>
+            <a:r>
+              <a:rPr lang="en-US" dirty="0" smtClean="0"/>
+              <a:t>.</a:t>
+            </a:r>
+          </a:p>
+          <a:p>
+            <a:r>
+              <a:rPr lang="en-US" b="1" dirty="0" err="1"/>
+              <a:t>git</a:t>
+            </a:r>
+            <a:r>
+              <a:rPr lang="en-US" b="1" dirty="0"/>
+              <a:t> push -u origin main: </a:t>
+            </a:r>
+            <a:r>
+              <a:rPr lang="en-US" dirty="0"/>
+              <a:t>This command pushes your local branch "main" to the remote repository "origin." The -u flag sets up tracking, which means that in the future, you can simply use </a:t>
+            </a:r>
+            <a:r>
+              <a:rPr lang="en-US" dirty="0" err="1"/>
+              <a:t>git</a:t>
+            </a:r>
+            <a:r>
+              <a:rPr lang="en-US" dirty="0"/>
+              <a:t> push without specifying the branch and remote.</a:t>
+            </a:r>
+            <a:endParaRPr lang="fr-FR" dirty="0"/>
+          </a:p>
+        </p:txBody>
+      </p:sp>
+    </p:spTree>
+    <p:extLst>
+      <p:ext uri="{BB962C8B-B14F-4D97-AF65-F5344CB8AC3E}">
+        <p14:creationId xmlns:p14="http://schemas.microsoft.com/office/powerpoint/2010/main" val="442921470"/>
+      </p:ext>
+    </p:extLst>
+  </p:cSld>
+  <p:clrMapOvr>
+    <a:masterClrMapping/>
+  </p:clrMapOvr>
+</p:sld>
+</file>
+
+<file path=ppt/slides/slide31.xml><?xml version="1.0" encoding="utf-8"?>
+<p:sld xmlns:a="http://schemas.openxmlformats.org/drawingml/2006/main" xmlns:r="http://schemas.openxmlformats.org/officeDocument/2006/relationships" xmlns:p="http://schemas.openxmlformats.org/presentationml/2006/main">
+  <p:cSld>
+    <p:spTree>
+      <p:nvGrpSpPr>
+        <p:cNvPr id="1" name=""/>
+        <p:cNvGrpSpPr/>
+        <p:nvPr/>
+      </p:nvGrpSpPr>
+      <p:grpSpPr>
+        <a:xfrm>
+          <a:off x="0" y="0"/>
+          <a:ext cx="0" cy="0"/>
+          <a:chOff x="0" y="0"/>
+          <a:chExt cx="0" cy="0"/>
+        </a:xfrm>
+      </p:grpSpPr>
+      <p:sp>
+        <p:nvSpPr>
+          <p:cNvPr id="2" name="Titre 1"/>
+          <p:cNvSpPr>
+            <a:spLocks noGrp="1"/>
+          </p:cNvSpPr>
+          <p:nvPr>
+            <p:ph type="title"/>
+          </p:nvPr>
+        </p:nvSpPr>
+        <p:spPr/>
+        <p:txBody>
+          <a:bodyPr/>
+          <a:lstStyle/>
+          <a:p>
+            <a:r>
+              <a:rPr lang="en-US" dirty="0" smtClean="0"/>
+              <a:t>The remote repository is successfully created</a:t>
+            </a:r>
+            <a:endParaRPr lang="fr-FR" dirty="0"/>
+          </a:p>
+        </p:txBody>
+      </p:sp>
+      <p:pic>
+        <p:nvPicPr>
+          <p:cNvPr id="4" name="Espace réservé du contenu 3"/>
+          <p:cNvPicPr>
+            <a:picLocks noGrp="1" noChangeAspect="1"/>
+          </p:cNvPicPr>
+          <p:nvPr>
+            <p:ph idx="1"/>
+          </p:nvPr>
+        </p:nvPicPr>
+        <p:blipFill>
+          <a:blip r:embed="rId2"/>
+          <a:stretch>
+            <a:fillRect/>
+          </a:stretch>
+        </p:blipFill>
+        <p:spPr>
+          <a:xfrm>
+            <a:off x="838200" y="1904380"/>
+            <a:ext cx="10515600" cy="4023499"/>
+          </a:xfrm>
+          <a:prstGeom prst="rect">
+            <a:avLst/>
+          </a:prstGeom>
+        </p:spPr>
+      </p:pic>
+    </p:spTree>
+    <p:extLst>
+      <p:ext uri="{BB962C8B-B14F-4D97-AF65-F5344CB8AC3E}">
+        <p14:creationId xmlns:p14="http://schemas.microsoft.com/office/powerpoint/2010/main" val="2859271096"/>
+      </p:ext>
+    </p:extLst>
+  </p:cSld>
+  <p:clrMapOvr>
+    <a:masterClrMapping/>
+  </p:clrMapOvr>
+</p:sld>
+</file>
+
+<file path=ppt/slides/slide32.xml><?xml version="1.0" encoding="utf-8"?>
+<p:sld xmlns:a="http://schemas.openxmlformats.org/drawingml/2006/main" xmlns:r="http://schemas.openxmlformats.org/officeDocument/2006/relationships" xmlns:p="http://schemas.openxmlformats.org/presentationml/2006/main">
+  <p:cSld>
+    <p:spTree>
+      <p:nvGrpSpPr>
+        <p:cNvPr id="1" name=""/>
+        <p:cNvGrpSpPr/>
+        <p:nvPr/>
+      </p:nvGrpSpPr>
+      <p:grpSpPr>
+        <a:xfrm>
+          <a:off x="0" y="0"/>
+          <a:ext cx="0" cy="0"/>
+          <a:chOff x="0" y="0"/>
+          <a:chExt cx="0" cy="0"/>
+        </a:xfrm>
+      </p:grpSpPr>
+      <p:sp>
+        <p:nvSpPr>
+          <p:cNvPr id="2" name="Titre 1"/>
+          <p:cNvSpPr>
+            <a:spLocks noGrp="1"/>
+          </p:cNvSpPr>
+          <p:nvPr>
+            <p:ph type="title"/>
+          </p:nvPr>
+        </p:nvSpPr>
+        <p:spPr/>
+        <p:txBody>
+          <a:bodyPr/>
+          <a:lstStyle/>
+          <a:p>
+            <a:r>
+              <a:rPr lang="en-US" dirty="0" smtClean="0"/>
+              <a:t>The remote repository is successfully created</a:t>
+            </a:r>
+            <a:endParaRPr lang="fr-FR" dirty="0"/>
+          </a:p>
+        </p:txBody>
+      </p:sp>
+      <p:pic>
+        <p:nvPicPr>
+          <p:cNvPr id="4" name="Espace réservé du contenu 3"/>
+          <p:cNvPicPr>
+            <a:picLocks noGrp="1" noChangeAspect="1"/>
+          </p:cNvPicPr>
+          <p:nvPr>
+            <p:ph idx="1"/>
+          </p:nvPr>
+        </p:nvPicPr>
+        <p:blipFill>
+          <a:blip r:embed="rId2"/>
+          <a:stretch>
+            <a:fillRect/>
+          </a:stretch>
+        </p:blipFill>
+        <p:spPr>
+          <a:xfrm>
+            <a:off x="838200" y="1904380"/>
+            <a:ext cx="10515600" cy="4023499"/>
+          </a:xfrm>
+          <a:prstGeom prst="rect">
+            <a:avLst/>
+          </a:prstGeom>
+        </p:spPr>
+      </p:pic>
+    </p:spTree>
+    <p:extLst>
+      <p:ext uri="{BB962C8B-B14F-4D97-AF65-F5344CB8AC3E}">
+        <p14:creationId xmlns:p14="http://schemas.microsoft.com/office/powerpoint/2010/main" val="1945827583"/>
+      </p:ext>
+    </p:extLst>
+  </p:cSld>
+  <p:clrMapOvr>
+    <a:masterClrMapping/>
+  </p:clrMapOvr>
+</p:sld>
+</file>
+
+<file path=ppt/slides/slide33.xml><?xml version="1.0" encoding="utf-8"?>
+<p:sld xmlns:a="http://schemas.openxmlformats.org/drawingml/2006/main" xmlns:r="http://schemas.openxmlformats.org/officeDocument/2006/relationships" xmlns:p="http://schemas.openxmlformats.org/presentationml/2006/main">
+  <p:cSld>
+    <p:spTree>
+      <p:nvGrpSpPr>
+        <p:cNvPr id="1" name=""/>
+        <p:cNvGrpSpPr/>
+        <p:nvPr/>
+      </p:nvGrpSpPr>
+      <p:grpSpPr>
+        <a:xfrm>
+          <a:off x="0" y="0"/>
+          <a:ext cx="0" cy="0"/>
+          <a:chOff x="0" y="0"/>
+          <a:chExt cx="0" cy="0"/>
+        </a:xfrm>
+      </p:grpSpPr>
+      <p:sp>
+        <p:nvSpPr>
+          <p:cNvPr id="2" name="Titre 1"/>
+          <p:cNvSpPr>
+            <a:spLocks noGrp="1"/>
+          </p:cNvSpPr>
+          <p:nvPr>
+            <p:ph type="title"/>
+          </p:nvPr>
+        </p:nvSpPr>
+        <p:spPr/>
+        <p:txBody>
+          <a:bodyPr/>
+          <a:lstStyle/>
+          <a:p>
+            <a:endParaRPr lang="fr-FR"/>
+          </a:p>
+        </p:txBody>
+      </p:sp>
+      <p:sp>
+        <p:nvSpPr>
+          <p:cNvPr id="3" name="Espace réservé du contenu 2"/>
+          <p:cNvSpPr>
+            <a:spLocks noGrp="1"/>
+          </p:cNvSpPr>
+          <p:nvPr>
+            <p:ph idx="1"/>
+          </p:nvPr>
+        </p:nvSpPr>
+        <p:spPr/>
+        <p:txBody>
+          <a:bodyPr/>
+          <a:lstStyle/>
+          <a:p>
+            <a:endParaRPr lang="fr-FR"/>
+          </a:p>
+        </p:txBody>
+      </p:sp>
+    </p:spTree>
+    <p:extLst>
+      <p:ext uri="{BB962C8B-B14F-4D97-AF65-F5344CB8AC3E}">
+        <p14:creationId xmlns:p14="http://schemas.microsoft.com/office/powerpoint/2010/main" val="940730319"/>
+      </p:ext>
+    </p:extLst>
+  </p:cSld>
+  <p:clrMapOvr>
+    <a:masterClrMapping/>
+  </p:clrMapOvr>
+</p:sld>
+</file>
+
+<file path=ppt/slides/slide34.xml><?xml version="1.0" encoding="utf-8"?>
+<p:sld xmlns:a="http://schemas.openxmlformats.org/drawingml/2006/main" xmlns:r="http://schemas.openxmlformats.org/officeDocument/2006/relationships" xmlns:p="http://schemas.openxmlformats.org/presentationml/2006/main">
+  <p:cSld>
+    <p:spTree>
+      <p:nvGrpSpPr>
+        <p:cNvPr id="1" name=""/>
+        <p:cNvGrpSpPr/>
+        <p:nvPr/>
+      </p:nvGrpSpPr>
+      <p:grpSpPr>
+        <a:xfrm>
+          <a:off x="0" y="0"/>
+          <a:ext cx="0" cy="0"/>
+          <a:chOff x="0" y="0"/>
+          <a:chExt cx="0" cy="0"/>
+        </a:xfrm>
+      </p:grpSpPr>
+      <p:sp>
+        <p:nvSpPr>
+          <p:cNvPr id="2" name="Titre 1"/>
+          <p:cNvSpPr>
+            <a:spLocks noGrp="1"/>
+          </p:cNvSpPr>
+          <p:nvPr>
+            <p:ph type="title"/>
+          </p:nvPr>
+        </p:nvSpPr>
+        <p:spPr/>
+        <p:txBody>
+          <a:bodyPr>
+            <a:normAutofit/>
+          </a:bodyPr>
+          <a:lstStyle/>
+          <a:p>
+            <a:r>
+              <a:rPr lang="en-US" dirty="0"/>
+              <a:t>What is Jenkins and what it is used for </a:t>
+            </a:r>
+            <a:r>
+              <a:rPr lang="en-US" dirty="0" smtClean="0"/>
+              <a:t>?</a:t>
+            </a:r>
+            <a:endParaRPr lang="fr-FR" dirty="0"/>
+          </a:p>
+        </p:txBody>
+      </p:sp>
+      <p:sp>
+        <p:nvSpPr>
+          <p:cNvPr id="3" name="Espace réservé du contenu 2"/>
+          <p:cNvSpPr>
+            <a:spLocks noGrp="1"/>
+          </p:cNvSpPr>
+          <p:nvPr>
+            <p:ph idx="1"/>
+          </p:nvPr>
+        </p:nvSpPr>
+        <p:spPr>
+          <a:xfrm>
+            <a:off x="838199" y="1825624"/>
+            <a:ext cx="10600765" cy="4368987"/>
+          </a:xfrm>
+        </p:spPr>
+        <p:txBody>
+          <a:bodyPr/>
+          <a:lstStyle/>
+          <a:p>
+            <a:pPr algn="just"/>
+            <a:r>
+              <a:rPr lang="en-US" dirty="0"/>
+              <a:t>Jenkins is an open source continuous integration/continuous delivery and deployment (CI/CD) automation software DevOps tool written in the Java programming language. It is used </a:t>
+            </a:r>
+            <a:r>
+              <a:rPr lang="en-US" b="1" dirty="0"/>
+              <a:t>to implement CI/CD workflows, called pipelines</a:t>
+            </a:r>
+            <a:r>
+              <a:rPr lang="en-US" dirty="0" smtClean="0"/>
+              <a:t>.</a:t>
+            </a:r>
+          </a:p>
+          <a:p>
+            <a:pPr algn="just"/>
+            <a:r>
+              <a:rPr lang="fr-FR" b="1" dirty="0"/>
+              <a:t>Pipelines </a:t>
+            </a:r>
+            <a:r>
+              <a:rPr lang="fr-FR" b="1" dirty="0" smtClean="0"/>
+              <a:t>:</a:t>
+            </a:r>
+            <a:r>
+              <a:rPr lang="fr-FR" dirty="0" smtClean="0"/>
+              <a:t> </a:t>
+            </a:r>
+          </a:p>
+          <a:p>
+            <a:pPr marL="0" indent="0" algn="just">
+              <a:buNone/>
+            </a:pPr>
+            <a:r>
+              <a:rPr lang="en-US" dirty="0" smtClean="0"/>
+              <a:t>	A </a:t>
+            </a:r>
+            <a:r>
+              <a:rPr lang="en-US" dirty="0"/>
+              <a:t>continuous integration and continuous deployment (CI/CD) pipeline is a series of steps that must be performed in order to deliver a new version of software. CI/CD pipelines are a practice focused on improving software delivery throughout the software development life cycle via automation.</a:t>
+            </a:r>
+            <a:endParaRPr lang="fr-FR" b="1" dirty="0"/>
+          </a:p>
+        </p:txBody>
+      </p:sp>
+    </p:spTree>
+    <p:extLst>
+      <p:ext uri="{BB962C8B-B14F-4D97-AF65-F5344CB8AC3E}">
+        <p14:creationId xmlns:p14="http://schemas.microsoft.com/office/powerpoint/2010/main" val="3363054917"/>
       </p:ext>
     </p:extLst>
   </p:cSld>

--- a/Github-tuto.pptx
+++ b/Github-tuto.pptx
@@ -36,9 +36,8 @@
     <p:sldId id="285" r:id="rId30"/>
     <p:sldId id="286" r:id="rId31"/>
     <p:sldId id="287" r:id="rId32"/>
-    <p:sldId id="289" r:id="rId33"/>
-    <p:sldId id="288" r:id="rId34"/>
-    <p:sldId id="257" r:id="rId35"/>
+    <p:sldId id="288" r:id="rId33"/>
+    <p:sldId id="257" r:id="rId34"/>
   </p:sldIdLst>
   <p:sldSz cx="12192000" cy="6858000"/>
   <p:notesSz cx="6858000" cy="9144000"/>
@@ -6060,7 +6059,7 @@
         </p:blipFill>
         <p:spPr>
           <a:xfrm>
-            <a:off x="838200" y="1904380"/>
+            <a:off x="936812" y="1690688"/>
             <a:ext cx="10515600" cy="4023499"/>
           </a:xfrm>
           <a:prstGeom prst="rect">
@@ -6115,7 +6114,7 @@
           <a:p>
             <a:r>
               <a:rPr lang="en-US" dirty="0" smtClean="0"/>
-              <a:t>The remote repository is successfully created</a:t>
+              <a:t>If we made changes on the local files</a:t>
             </a:r>
             <a:endParaRPr lang="fr-FR" dirty="0"/>
           </a:p>
@@ -6139,79 +6138,60 @@
         </p:blipFill>
         <p:spPr>
           <a:xfrm>
-            <a:off x="838200" y="1904380"/>
-            <a:ext cx="10515600" cy="4023499"/>
+            <a:off x="963704" y="1985683"/>
+            <a:ext cx="5770989" cy="2401351"/>
           </a:xfrm>
           <a:prstGeom prst="rect">
             <a:avLst/>
           </a:prstGeom>
         </p:spPr>
       </p:pic>
-    </p:spTree>
-    <p:extLst>
-      <p:ext uri="{BB962C8B-B14F-4D97-AF65-F5344CB8AC3E}">
-        <p14:creationId xmlns:p14="http://schemas.microsoft.com/office/powerpoint/2010/main" val="1945827583"/>
-      </p:ext>
-    </p:extLst>
-  </p:cSld>
-  <p:clrMapOvr>
-    <a:masterClrMapping/>
-  </p:clrMapOvr>
-</p:sld>
-</file>
-
-<file path=ppt/slides/slide33.xml><?xml version="1.0" encoding="utf-8"?>
-<p:sld xmlns:a="http://schemas.openxmlformats.org/drawingml/2006/main" xmlns:r="http://schemas.openxmlformats.org/officeDocument/2006/relationships" xmlns:p="http://schemas.openxmlformats.org/presentationml/2006/main">
-  <p:cSld>
-    <p:spTree>
-      <p:nvGrpSpPr>
-        <p:cNvPr id="1" name=""/>
-        <p:cNvGrpSpPr/>
-        <p:nvPr/>
-      </p:nvGrpSpPr>
-      <p:grpSpPr>
-        <a:xfrm>
-          <a:off x="0" y="0"/>
-          <a:ext cx="0" cy="0"/>
-          <a:chOff x="0" y="0"/>
-          <a:chExt cx="0" cy="0"/>
-        </a:xfrm>
-      </p:grpSpPr>
-      <p:sp>
-        <p:nvSpPr>
-          <p:cNvPr id="2" name="Titre 1"/>
-          <p:cNvSpPr>
-            <a:spLocks noGrp="1"/>
-          </p:cNvSpPr>
-          <p:nvPr>
-            <p:ph type="title"/>
-          </p:nvPr>
-        </p:nvSpPr>
-        <p:spPr/>
-        <p:txBody>
-          <a:bodyPr/>
-          <a:lstStyle/>
-          <a:p>
-            <a:endParaRPr lang="fr-FR"/>
-          </a:p>
-        </p:txBody>
-      </p:sp>
-      <p:sp>
-        <p:nvSpPr>
-          <p:cNvPr id="3" name="Espace réservé du contenu 2"/>
-          <p:cNvSpPr>
-            <a:spLocks noGrp="1"/>
-          </p:cNvSpPr>
-          <p:nvPr>
-            <p:ph idx="1"/>
-          </p:nvPr>
-        </p:nvSpPr>
-        <p:spPr/>
-        <p:txBody>
-          <a:bodyPr/>
-          <a:lstStyle/>
-          <a:p>
-            <a:endParaRPr lang="fr-FR"/>
+      <p:sp>
+        <p:nvSpPr>
+          <p:cNvPr id="5" name="Titre 1"/>
+          <p:cNvSpPr txBox="1">
+            <a:spLocks/>
+          </p:cNvSpPr>
+          <p:nvPr/>
+        </p:nvSpPr>
+        <p:spPr>
+          <a:xfrm>
+            <a:off x="838200" y="1548467"/>
+            <a:ext cx="10515600" cy="437216"/>
+          </a:xfrm>
+          <a:prstGeom prst="rect">
+            <a:avLst/>
+          </a:prstGeom>
+        </p:spPr>
+        <p:txBody>
+          <a:bodyPr vert="horz" lIns="91440" tIns="45720" rIns="91440" bIns="45720" rtlCol="0" anchor="ctr">
+            <a:normAutofit/>
+          </a:bodyPr>
+          <a:lstStyle>
+            <a:lvl1pPr algn="l" defTabSz="914400" rtl="0" eaLnBrk="1" latinLnBrk="0" hangingPunct="1">
+              <a:lnSpc>
+                <a:spcPct val="90000"/>
+              </a:lnSpc>
+              <a:spcBef>
+                <a:spcPct val="0"/>
+              </a:spcBef>
+              <a:buNone/>
+              <a:defRPr sz="4400" kern="1200">
+                <a:solidFill>
+                  <a:schemeClr val="tx1"/>
+                </a:solidFill>
+                <a:latin typeface="+mj-lt"/>
+                <a:ea typeface="+mj-ea"/>
+                <a:cs typeface="+mj-cs"/>
+              </a:defRPr>
+            </a:lvl1pPr>
+          </a:lstStyle>
+          <a:p>
+            <a:r>
+              <a:rPr lang="en-US" sz="2400" dirty="0" smtClean="0"/>
+              <a:t>Local repository status before changes</a:t>
+            </a:r>
+            <a:endParaRPr lang="fr-FR" sz="2400" dirty="0"/>
           </a:p>
         </p:txBody>
       </p:sp>
@@ -6228,7 +6208,7 @@
 </p:sld>
 </file>
 
-<file path=ppt/slides/slide34.xml><?xml version="1.0" encoding="utf-8"?>
+<file path=ppt/slides/slide33.xml><?xml version="1.0" encoding="utf-8"?>
 <p:sld xmlns:a="http://schemas.openxmlformats.org/drawingml/2006/main" xmlns:r="http://schemas.openxmlformats.org/officeDocument/2006/relationships" xmlns:p="http://schemas.openxmlformats.org/presentationml/2006/main">
   <p:cSld>
     <p:spTree>
